--- a/Bodoconsult.Core.Latex.Test/TestData/Test.pptx
+++ b/Bodoconsult.Core.Latex.Test/TestData/Test.pptx
@@ -5,19 +5,20 @@
     <p:sldMasterId id="2147483648" r:id="rId1"/>
   </p:sldMasterIdLst>
   <p:notesMasterIdLst>
-    <p:notesMasterId r:id="rId12"/>
+    <p:notesMasterId r:id="rId13"/>
   </p:notesMasterIdLst>
   <p:sldIdLst>
     <p:sldId id="256" r:id="rId2"/>
-    <p:sldId id="278" r:id="rId3"/>
-    <p:sldId id="269" r:id="rId4"/>
-    <p:sldId id="270" r:id="rId5"/>
-    <p:sldId id="257" r:id="rId6"/>
-    <p:sldId id="262" r:id="rId7"/>
-    <p:sldId id="258" r:id="rId8"/>
-    <p:sldId id="260" r:id="rId9"/>
-    <p:sldId id="261" r:id="rId10"/>
-    <p:sldId id="259" r:id="rId11"/>
+    <p:sldId id="279" r:id="rId3"/>
+    <p:sldId id="278" r:id="rId4"/>
+    <p:sldId id="269" r:id="rId5"/>
+    <p:sldId id="270" r:id="rId6"/>
+    <p:sldId id="257" r:id="rId7"/>
+    <p:sldId id="262" r:id="rId8"/>
+    <p:sldId id="258" r:id="rId9"/>
+    <p:sldId id="260" r:id="rId10"/>
+    <p:sldId id="261" r:id="rId11"/>
+    <p:sldId id="259" r:id="rId12"/>
   </p:sldIdLst>
   <p:sldSz cx="12192000" cy="6858000"/>
   <p:notesSz cx="6858000" cy="9144000"/>
@@ -206,7 +207,7 @@
           <a:p>
             <a:fld id="{0648E04C-D73F-41DA-A2EF-70312CDFA864}" type="datetimeFigureOut">
               <a:rPr lang="de-DE" smtClean="0"/>
-              <a:t>23.06.2021</a:t>
+              <a:t>25.06.2021</a:t>
             </a:fld>
             <a:endParaRPr lang="de-DE"/>
           </a:p>
@@ -538,7 +539,7 @@
           <a:p>
             <a:fld id="{FFC4CC6B-6500-4775-BDDA-3AE9CCC0F423}" type="slidenum">
               <a:rPr lang="de-DE" smtClean="0"/>
-              <a:t>2</a:t>
+              <a:t>3</a:t>
             </a:fld>
             <a:endParaRPr lang="de-DE"/>
           </a:p>
@@ -644,7 +645,7 @@
           <a:p>
             <a:fld id="{FFC4CC6B-6500-4775-BDDA-3AE9CCC0F423}" type="slidenum">
               <a:rPr lang="de-DE" smtClean="0"/>
-              <a:t>3</a:t>
+              <a:t>4</a:t>
             </a:fld>
             <a:endParaRPr lang="de-DE"/>
           </a:p>
@@ -750,7 +751,7 @@
           <a:p>
             <a:fld id="{FFC4CC6B-6500-4775-BDDA-3AE9CCC0F423}" type="slidenum">
               <a:rPr lang="de-DE" smtClean="0"/>
-              <a:t>4</a:t>
+              <a:t>5</a:t>
             </a:fld>
             <a:endParaRPr lang="de-DE"/>
           </a:p>
@@ -938,7 +939,7 @@
           <a:p>
             <a:fld id="{D25756EE-8323-42EE-843D-478D24925091}" type="datetimeFigureOut">
               <a:rPr lang="de-DE" smtClean="0"/>
-              <a:t>23.06.2021</a:t>
+              <a:t>25.06.2021</a:t>
             </a:fld>
             <a:endParaRPr lang="de-DE"/>
           </a:p>
@@ -1136,7 +1137,7 @@
           <a:p>
             <a:fld id="{D25756EE-8323-42EE-843D-478D24925091}" type="datetimeFigureOut">
               <a:rPr lang="de-DE" smtClean="0"/>
-              <a:t>23.06.2021</a:t>
+              <a:t>25.06.2021</a:t>
             </a:fld>
             <a:endParaRPr lang="de-DE"/>
           </a:p>
@@ -1344,7 +1345,7 @@
           <a:p>
             <a:fld id="{D25756EE-8323-42EE-843D-478D24925091}" type="datetimeFigureOut">
               <a:rPr lang="de-DE" smtClean="0"/>
-              <a:t>23.06.2021</a:t>
+              <a:t>25.06.2021</a:t>
             </a:fld>
             <a:endParaRPr lang="de-DE"/>
           </a:p>
@@ -1542,7 +1543,7 @@
           <a:p>
             <a:fld id="{D25756EE-8323-42EE-843D-478D24925091}" type="datetimeFigureOut">
               <a:rPr lang="de-DE" smtClean="0"/>
-              <a:t>23.06.2021</a:t>
+              <a:t>25.06.2021</a:t>
             </a:fld>
             <a:endParaRPr lang="de-DE"/>
           </a:p>
@@ -1817,7 +1818,7 @@
           <a:p>
             <a:fld id="{D25756EE-8323-42EE-843D-478D24925091}" type="datetimeFigureOut">
               <a:rPr lang="de-DE" smtClean="0"/>
-              <a:t>23.06.2021</a:t>
+              <a:t>25.06.2021</a:t>
             </a:fld>
             <a:endParaRPr lang="de-DE"/>
           </a:p>
@@ -2082,7 +2083,7 @@
           <a:p>
             <a:fld id="{D25756EE-8323-42EE-843D-478D24925091}" type="datetimeFigureOut">
               <a:rPr lang="de-DE" smtClean="0"/>
-              <a:t>23.06.2021</a:t>
+              <a:t>25.06.2021</a:t>
             </a:fld>
             <a:endParaRPr lang="de-DE"/>
           </a:p>
@@ -2494,7 +2495,7 @@
           <a:p>
             <a:fld id="{D25756EE-8323-42EE-843D-478D24925091}" type="datetimeFigureOut">
               <a:rPr lang="de-DE" smtClean="0"/>
-              <a:t>23.06.2021</a:t>
+              <a:t>25.06.2021</a:t>
             </a:fld>
             <a:endParaRPr lang="de-DE"/>
           </a:p>
@@ -2635,7 +2636,7 @@
           <a:p>
             <a:fld id="{D25756EE-8323-42EE-843D-478D24925091}" type="datetimeFigureOut">
               <a:rPr lang="de-DE" smtClean="0"/>
-              <a:t>23.06.2021</a:t>
+              <a:t>25.06.2021</a:t>
             </a:fld>
             <a:endParaRPr lang="de-DE"/>
           </a:p>
@@ -2748,7 +2749,7 @@
           <a:p>
             <a:fld id="{D25756EE-8323-42EE-843D-478D24925091}" type="datetimeFigureOut">
               <a:rPr lang="de-DE" smtClean="0"/>
-              <a:t>23.06.2021</a:t>
+              <a:t>25.06.2021</a:t>
             </a:fld>
             <a:endParaRPr lang="de-DE"/>
           </a:p>
@@ -3059,7 +3060,7 @@
           <a:p>
             <a:fld id="{D25756EE-8323-42EE-843D-478D24925091}" type="datetimeFigureOut">
               <a:rPr lang="de-DE" smtClean="0"/>
-              <a:t>23.06.2021</a:t>
+              <a:t>25.06.2021</a:t>
             </a:fld>
             <a:endParaRPr lang="de-DE"/>
           </a:p>
@@ -3347,7 +3348,7 @@
           <a:p>
             <a:fld id="{D25756EE-8323-42EE-843D-478D24925091}" type="datetimeFigureOut">
               <a:rPr lang="de-DE" smtClean="0"/>
-              <a:t>23.06.2021</a:t>
+              <a:t>25.06.2021</a:t>
             </a:fld>
             <a:endParaRPr lang="de-DE"/>
           </a:p>
@@ -3588,7 +3589,7 @@
           <a:p>
             <a:fld id="{D25756EE-8323-42EE-843D-478D24925091}" type="datetimeFigureOut">
               <a:rPr lang="de-DE" smtClean="0"/>
-              <a:t>23.06.2021</a:t>
+              <a:t>25.06.2021</a:t>
             </a:fld>
             <a:endParaRPr lang="de-DE"/>
           </a:p>
@@ -4096,6 +4097,149 @@
           <p:cNvPr id="2" name="Titel 1">
             <a:extLst>
               <a:ext uri="{FF2B5EF4-FFF2-40B4-BE49-F238E27FC236}">
+                <a16:creationId xmlns:a16="http://schemas.microsoft.com/office/drawing/2014/main" id="{C380081D-B401-4F64-A0EA-A2C22F388B21}"/>
+              </a:ext>
+            </a:extLst>
+          </p:cNvPr>
+          <p:cNvSpPr>
+            <a:spLocks noGrp="1"/>
+          </p:cNvSpPr>
+          <p:nvPr>
+            <p:ph type="title"/>
+          </p:nvPr>
+        </p:nvSpPr>
+        <p:spPr/>
+        <p:txBody>
+          <a:bodyPr/>
+          <a:lstStyle/>
+          <a:p>
+            <a:r>
+              <a:rPr lang="de-DE" dirty="0"/>
+              <a:t>Content 1.2</a:t>
+            </a:r>
+          </a:p>
+        </p:txBody>
+      </p:sp>
+      <p:sp>
+        <p:nvSpPr>
+          <p:cNvPr id="3" name="Inhaltsplatzhalter 2">
+            <a:extLst>
+              <a:ext uri="{FF2B5EF4-FFF2-40B4-BE49-F238E27FC236}">
+                <a16:creationId xmlns:a16="http://schemas.microsoft.com/office/drawing/2014/main" id="{17FD4A3D-A36F-4CED-A48C-6097F67A1095}"/>
+              </a:ext>
+            </a:extLst>
+          </p:cNvPr>
+          <p:cNvSpPr>
+            <a:spLocks noGrp="1"/>
+          </p:cNvSpPr>
+          <p:nvPr>
+            <p:ph idx="1"/>
+          </p:nvPr>
+        </p:nvSpPr>
+        <p:spPr/>
+        <p:txBody>
+          <a:bodyPr/>
+          <a:lstStyle/>
+          <a:p>
+            <a:r>
+              <a:rPr lang="de-DE" dirty="0" err="1"/>
+              <a:t>Fruits</a:t>
+            </a:r>
+            <a:endParaRPr lang="de-DE" dirty="0"/>
+          </a:p>
+          <a:p>
+            <a:pPr lvl="1"/>
+            <a:r>
+              <a:rPr lang="de-DE" dirty="0"/>
+              <a:t>Apple</a:t>
+            </a:r>
+          </a:p>
+          <a:p>
+            <a:pPr lvl="1"/>
+            <a:r>
+              <a:rPr lang="de-DE" dirty="0" err="1"/>
+              <a:t>Banana</a:t>
+            </a:r>
+            <a:endParaRPr lang="de-DE" dirty="0"/>
+          </a:p>
+          <a:p>
+            <a:pPr lvl="1"/>
+            <a:r>
+              <a:rPr lang="de-DE" dirty="0"/>
+              <a:t>Cherry</a:t>
+            </a:r>
+          </a:p>
+          <a:p>
+            <a:r>
+              <a:rPr lang="de-DE" dirty="0" err="1"/>
+              <a:t>Vegetables</a:t>
+            </a:r>
+            <a:endParaRPr lang="de-DE" dirty="0"/>
+          </a:p>
+          <a:p>
+            <a:pPr lvl="1"/>
+            <a:r>
+              <a:rPr lang="de-DE" dirty="0" err="1"/>
+              <a:t>Carrot</a:t>
+            </a:r>
+            <a:endParaRPr lang="de-DE" dirty="0"/>
+          </a:p>
+          <a:p>
+            <a:pPr lvl="1"/>
+            <a:r>
+              <a:rPr lang="de-DE" dirty="0"/>
+              <a:t>Pepper</a:t>
+            </a:r>
+          </a:p>
+          <a:p>
+            <a:pPr lvl="1"/>
+            <a:r>
+              <a:rPr lang="de-DE" dirty="0" err="1"/>
+              <a:t>Cauliflower</a:t>
+            </a:r>
+            <a:endParaRPr lang="de-DE" dirty="0"/>
+          </a:p>
+          <a:p>
+            <a:pPr lvl="1"/>
+            <a:endParaRPr lang="de-DE" dirty="0"/>
+          </a:p>
+        </p:txBody>
+      </p:sp>
+    </p:spTree>
+    <p:extLst>
+      <p:ext uri="{BB962C8B-B14F-4D97-AF65-F5344CB8AC3E}">
+        <p14:creationId xmlns:p14="http://schemas.microsoft.com/office/powerpoint/2010/main" val="1535047729"/>
+      </p:ext>
+    </p:extLst>
+  </p:cSld>
+  <p:clrMapOvr>
+    <a:masterClrMapping/>
+  </p:clrMapOvr>
+</p:sld>
+</file>
+
+<file path=ppt/slides/slide11.xml><?xml version="1.0" encoding="utf-8"?>
+<p:sld xmlns:a="http://schemas.openxmlformats.org/drawingml/2006/main" xmlns:r="http://schemas.openxmlformats.org/officeDocument/2006/relationships" xmlns:p="http://schemas.openxmlformats.org/presentationml/2006/main">
+  <p:cSld>
+    <p:spTree>
+      <p:nvGrpSpPr>
+        <p:cNvPr id="1" name=""/>
+        <p:cNvGrpSpPr/>
+        <p:nvPr/>
+      </p:nvGrpSpPr>
+      <p:grpSpPr>
+        <a:xfrm>
+          <a:off x="0" y="0"/>
+          <a:ext cx="0" cy="0"/>
+          <a:chOff x="0" y="0"/>
+          <a:chExt cx="0" cy="0"/>
+        </a:xfrm>
+      </p:grpSpPr>
+      <p:sp>
+        <p:nvSpPr>
+          <p:cNvPr id="2" name="Titel 1">
+            <a:extLst>
+              <a:ext uri="{FF2B5EF4-FFF2-40B4-BE49-F238E27FC236}">
                 <a16:creationId xmlns:a16="http://schemas.microsoft.com/office/drawing/2014/main" id="{E7150267-FE19-4E8B-85CE-6E908AE5D3E5}"/>
               </a:ext>
             </a:extLst>
@@ -4155,6 +4299,181 @@
 </file>
 
 <file path=ppt/slides/slide2.xml><?xml version="1.0" encoding="utf-8"?>
+<p:sld xmlns:a="http://schemas.openxmlformats.org/drawingml/2006/main" xmlns:r="http://schemas.openxmlformats.org/officeDocument/2006/relationships" xmlns:p="http://schemas.openxmlformats.org/presentationml/2006/main">
+  <p:cSld>
+    <p:spTree>
+      <p:nvGrpSpPr>
+        <p:cNvPr id="1" name=""/>
+        <p:cNvGrpSpPr/>
+        <p:nvPr/>
+      </p:nvGrpSpPr>
+      <p:grpSpPr>
+        <a:xfrm>
+          <a:off x="0" y="0"/>
+          <a:ext cx="0" cy="0"/>
+          <a:chOff x="0" y="0"/>
+          <a:chExt cx="0" cy="0"/>
+        </a:xfrm>
+      </p:grpSpPr>
+      <p:sp>
+        <p:nvSpPr>
+          <p:cNvPr id="2" name="Titel 1">
+            <a:extLst>
+              <a:ext uri="{FF2B5EF4-FFF2-40B4-BE49-F238E27FC236}">
+                <a16:creationId xmlns:a16="http://schemas.microsoft.com/office/drawing/2014/main" id="{5A7FA94A-1A66-44EC-BAE4-5925673B1FE2}"/>
+              </a:ext>
+            </a:extLst>
+          </p:cNvPr>
+          <p:cNvSpPr>
+            <a:spLocks noGrp="1"/>
+          </p:cNvSpPr>
+          <p:nvPr>
+            <p:ph type="title"/>
+          </p:nvPr>
+        </p:nvSpPr>
+        <p:spPr/>
+        <p:txBody>
+          <a:bodyPr/>
+          <a:lstStyle/>
+          <a:p>
+            <a:r>
+              <a:rPr lang="de-DE"/>
+              <a:t>Tabellen</a:t>
+            </a:r>
+          </a:p>
+        </p:txBody>
+      </p:sp>
+      <p:graphicFrame>
+        <p:nvGraphicFramePr>
+          <p:cNvPr id="4" name="Tabelle 4">
+            <a:extLst>
+              <a:ext uri="{FF2B5EF4-FFF2-40B4-BE49-F238E27FC236}">
+                <a16:creationId xmlns:a16="http://schemas.microsoft.com/office/drawing/2014/main" id="{6A17AED5-DAF2-4252-9366-9703F8BBBEDB}"/>
+              </a:ext>
+            </a:extLst>
+          </p:cNvPr>
+          <p:cNvGraphicFramePr>
+            <a:graphicFrameLocks noGrp="1"/>
+          </p:cNvGraphicFramePr>
+          <p:nvPr>
+            <p:ph idx="1"/>
+            <p:extLst>
+              <p:ext uri="{D42A27DB-BD31-4B8C-83A1-F6EECF244321}">
+                <p14:modId xmlns:p14="http://schemas.microsoft.com/office/powerpoint/2010/main" val="1697653267"/>
+              </p:ext>
+            </p:extLst>
+          </p:nvPr>
+        </p:nvGraphicFramePr>
+        <p:xfrm>
+          <a:off x="838200" y="1825625"/>
+          <a:ext cx="10515600" cy="741680"/>
+        </p:xfrm>
+        <a:graphic>
+          <a:graphicData uri="http://schemas.openxmlformats.org/drawingml/2006/table">
+            <a:tbl>
+              <a:tblPr firstRow="1" bandRow="1">
+                <a:tableStyleId>{5C22544A-7EE6-4342-B048-85BDC9FD1C3A}</a:tableStyleId>
+              </a:tblPr>
+              <a:tblGrid>
+                <a:gridCol w="5257800">
+                  <a:extLst>
+                    <a:ext uri="{9D8B030D-6E8A-4147-A177-3AD203B41FA5}">
+                      <a16:colId xmlns:a16="http://schemas.microsoft.com/office/drawing/2014/main" val="3896860973"/>
+                    </a:ext>
+                  </a:extLst>
+                </a:gridCol>
+                <a:gridCol w="5257800">
+                  <a:extLst>
+                    <a:ext uri="{9D8B030D-6E8A-4147-A177-3AD203B41FA5}">
+                      <a16:colId xmlns:a16="http://schemas.microsoft.com/office/drawing/2014/main" val="4187452321"/>
+                    </a:ext>
+                  </a:extLst>
+                </a:gridCol>
+              </a:tblGrid>
+              <a:tr h="370840">
+                <a:tc>
+                  <a:txBody>
+                    <a:bodyPr/>
+                    <a:lstStyle/>
+                    <a:p>
+                      <a:r>
+                        <a:rPr lang="de-DE" dirty="0"/>
+                        <a:t>Hallo</a:t>
+                      </a:r>
+                    </a:p>
+                  </a:txBody>
+                  <a:tcPr/>
+                </a:tc>
+                <a:tc>
+                  <a:txBody>
+                    <a:bodyPr/>
+                    <a:lstStyle/>
+                    <a:p>
+                      <a:r>
+                        <a:rPr lang="de-DE" dirty="0"/>
+                        <a:t>Wach</a:t>
+                      </a:r>
+                    </a:p>
+                  </a:txBody>
+                  <a:tcPr/>
+                </a:tc>
+                <a:extLst>
+                  <a:ext uri="{0D108BD9-81ED-4DB2-BD59-A6C34878D82A}">
+                    <a16:rowId xmlns:a16="http://schemas.microsoft.com/office/drawing/2014/main" val="1604839706"/>
+                  </a:ext>
+                </a:extLst>
+              </a:tr>
+              <a:tr h="370840">
+                <a:tc>
+                  <a:txBody>
+                    <a:bodyPr/>
+                    <a:lstStyle/>
+                    <a:p>
+                      <a:r>
+                        <a:rPr lang="de-DE" dirty="0"/>
+                        <a:t>Wach2</a:t>
+                      </a:r>
+                    </a:p>
+                  </a:txBody>
+                  <a:tcPr/>
+                </a:tc>
+                <a:tc>
+                  <a:txBody>
+                    <a:bodyPr/>
+                    <a:lstStyle/>
+                    <a:p>
+                      <a:r>
+                        <a:rPr lang="de-DE" dirty="0"/>
+                        <a:t>Hallo2</a:t>
+                      </a:r>
+                    </a:p>
+                  </a:txBody>
+                  <a:tcPr/>
+                </a:tc>
+                <a:extLst>
+                  <a:ext uri="{0D108BD9-81ED-4DB2-BD59-A6C34878D82A}">
+                    <a16:rowId xmlns:a16="http://schemas.microsoft.com/office/drawing/2014/main" val="2138781079"/>
+                  </a:ext>
+                </a:extLst>
+              </a:tr>
+            </a:tbl>
+          </a:graphicData>
+        </a:graphic>
+      </p:graphicFrame>
+    </p:spTree>
+    <p:extLst>
+      <p:ext uri="{BB962C8B-B14F-4D97-AF65-F5344CB8AC3E}">
+        <p14:creationId xmlns:p14="http://schemas.microsoft.com/office/powerpoint/2010/main" val="1094230207"/>
+      </p:ext>
+    </p:extLst>
+  </p:cSld>
+  <p:clrMapOvr>
+    <a:masterClrMapping/>
+  </p:clrMapOvr>
+</p:sld>
+</file>
+
+<file path=ppt/slides/slide3.xml><?xml version="1.0" encoding="utf-8"?>
 <p:sld xmlns:a="http://schemas.openxmlformats.org/drawingml/2006/main" xmlns:r="http://schemas.openxmlformats.org/officeDocument/2006/relationships" xmlns:p="http://schemas.openxmlformats.org/presentationml/2006/main">
   <p:cSld>
     <p:spTree>
@@ -5082,7 +5401,7 @@
 </p:sld>
 </file>
 
-<file path=ppt/slides/slide3.xml><?xml version="1.0" encoding="utf-8"?>
+<file path=ppt/slides/slide4.xml><?xml version="1.0" encoding="utf-8"?>
 <p:sld xmlns:a="http://schemas.openxmlformats.org/drawingml/2006/main" xmlns:r="http://schemas.openxmlformats.org/officeDocument/2006/relationships" xmlns:p="http://schemas.openxmlformats.org/presentationml/2006/main">
   <p:cSld>
     <p:spTree>
@@ -5200,7 +5519,7 @@
 </p:sld>
 </file>
 
-<file path=ppt/slides/slide4.xml><?xml version="1.0" encoding="utf-8"?>
+<file path=ppt/slides/slide5.xml><?xml version="1.0" encoding="utf-8"?>
 <p:sld xmlns:a="http://schemas.openxmlformats.org/drawingml/2006/main" xmlns:r="http://schemas.openxmlformats.org/officeDocument/2006/relationships" xmlns:p="http://schemas.openxmlformats.org/presentationml/2006/main">
   <p:cSld>
     <p:spTree>
@@ -5307,105 +5626,6 @@
 </p:sld>
 </file>
 
-<file path=ppt/slides/slide5.xml><?xml version="1.0" encoding="utf-8"?>
-<p:sld xmlns:a="http://schemas.openxmlformats.org/drawingml/2006/main" xmlns:r="http://schemas.openxmlformats.org/officeDocument/2006/relationships" xmlns:p="http://schemas.openxmlformats.org/presentationml/2006/main">
-  <p:cSld>
-    <p:spTree>
-      <p:nvGrpSpPr>
-        <p:cNvPr id="1" name=""/>
-        <p:cNvGrpSpPr/>
-        <p:nvPr/>
-      </p:nvGrpSpPr>
-      <p:grpSpPr>
-        <a:xfrm>
-          <a:off x="0" y="0"/>
-          <a:ext cx="0" cy="0"/>
-          <a:chOff x="0" y="0"/>
-          <a:chExt cx="0" cy="0"/>
-        </a:xfrm>
-      </p:grpSpPr>
-      <p:sp>
-        <p:nvSpPr>
-          <p:cNvPr id="2" name="Titel 1">
-            <a:extLst>
-              <a:ext uri="{FF2B5EF4-FFF2-40B4-BE49-F238E27FC236}">
-                <a16:creationId xmlns:a16="http://schemas.microsoft.com/office/drawing/2014/main" id="{C380081D-B401-4F64-A0EA-A2C22F388B21}"/>
-              </a:ext>
-            </a:extLst>
-          </p:cNvPr>
-          <p:cNvSpPr>
-            <a:spLocks noGrp="1"/>
-          </p:cNvSpPr>
-          <p:nvPr>
-            <p:ph type="title"/>
-          </p:nvPr>
-        </p:nvSpPr>
-        <p:spPr/>
-        <p:txBody>
-          <a:bodyPr/>
-          <a:lstStyle/>
-          <a:p>
-            <a:r>
-              <a:rPr lang="de-DE" dirty="0"/>
-              <a:t>Content 0.1</a:t>
-            </a:r>
-          </a:p>
-        </p:txBody>
-      </p:sp>
-      <p:sp>
-        <p:nvSpPr>
-          <p:cNvPr id="3" name="Inhaltsplatzhalter 2">
-            <a:extLst>
-              <a:ext uri="{FF2B5EF4-FFF2-40B4-BE49-F238E27FC236}">
-                <a16:creationId xmlns:a16="http://schemas.microsoft.com/office/drawing/2014/main" id="{17FD4A3D-A36F-4CED-A48C-6097F67A1095}"/>
-              </a:ext>
-            </a:extLst>
-          </p:cNvPr>
-          <p:cNvSpPr>
-            <a:spLocks noGrp="1"/>
-          </p:cNvSpPr>
-          <p:nvPr>
-            <p:ph idx="1"/>
-          </p:nvPr>
-        </p:nvSpPr>
-        <p:spPr/>
-        <p:txBody>
-          <a:bodyPr/>
-          <a:lstStyle/>
-          <a:p>
-            <a:r>
-              <a:rPr lang="de-DE" dirty="0"/>
-              <a:t>Apple</a:t>
-            </a:r>
-          </a:p>
-          <a:p>
-            <a:r>
-              <a:rPr lang="de-DE" dirty="0" err="1"/>
-              <a:t>Banana</a:t>
-            </a:r>
-            <a:endParaRPr lang="de-DE" dirty="0"/>
-          </a:p>
-          <a:p>
-            <a:r>
-              <a:rPr lang="de-DE" dirty="0"/>
-              <a:t>Cherry</a:t>
-            </a:r>
-          </a:p>
-        </p:txBody>
-      </p:sp>
-    </p:spTree>
-    <p:extLst>
-      <p:ext uri="{BB962C8B-B14F-4D97-AF65-F5344CB8AC3E}">
-        <p14:creationId xmlns:p14="http://schemas.microsoft.com/office/powerpoint/2010/main" val="975487348"/>
-      </p:ext>
-    </p:extLst>
-  </p:cSld>
-  <p:clrMapOvr>
-    <a:masterClrMapping/>
-  </p:clrMapOvr>
-</p:sld>
-</file>
-
 <file path=ppt/slides/slide6.xml><?xml version="1.0" encoding="utf-8"?>
 <p:sld xmlns:a="http://schemas.openxmlformats.org/drawingml/2006/main" xmlns:r="http://schemas.openxmlformats.org/officeDocument/2006/relationships" xmlns:p="http://schemas.openxmlformats.org/presentationml/2006/main">
   <p:cSld>
@@ -5446,7 +5666,7 @@
           <a:p>
             <a:r>
               <a:rPr lang="de-DE" dirty="0"/>
-              <a:t>Content 0.2</a:t>
+              <a:t>Content 0.1</a:t>
             </a:r>
           </a:p>
         </p:txBody>
@@ -5495,7 +5715,7 @@
     </p:spTree>
     <p:extLst>
       <p:ext uri="{BB962C8B-B14F-4D97-AF65-F5344CB8AC3E}">
-        <p14:creationId xmlns:p14="http://schemas.microsoft.com/office/powerpoint/2010/main" val="902430933"/>
+        <p14:creationId xmlns:p14="http://schemas.microsoft.com/office/powerpoint/2010/main" val="975487348"/>
       </p:ext>
     </p:extLst>
   </p:cSld>
@@ -5527,7 +5747,7 @@
           <p:cNvPr id="2" name="Titel 1">
             <a:extLst>
               <a:ext uri="{FF2B5EF4-FFF2-40B4-BE49-F238E27FC236}">
-                <a16:creationId xmlns:a16="http://schemas.microsoft.com/office/drawing/2014/main" id="{7B3160C7-DDB3-405D-80E3-CDE9C93CEF9F}"/>
+                <a16:creationId xmlns:a16="http://schemas.microsoft.com/office/drawing/2014/main" id="{C380081D-B401-4F64-A0EA-A2C22F388B21}"/>
               </a:ext>
             </a:extLst>
           </p:cNvPr>
@@ -5544,57 +5764,57 @@
           <a:lstStyle/>
           <a:p>
             <a:r>
+              <a:rPr lang="de-DE" dirty="0"/>
+              <a:t>Content 0.2</a:t>
+            </a:r>
+          </a:p>
+        </p:txBody>
+      </p:sp>
+      <p:sp>
+        <p:nvSpPr>
+          <p:cNvPr id="3" name="Inhaltsplatzhalter 2">
+            <a:extLst>
+              <a:ext uri="{FF2B5EF4-FFF2-40B4-BE49-F238E27FC236}">
+                <a16:creationId xmlns:a16="http://schemas.microsoft.com/office/drawing/2014/main" id="{17FD4A3D-A36F-4CED-A48C-6097F67A1095}"/>
+              </a:ext>
+            </a:extLst>
+          </p:cNvPr>
+          <p:cNvSpPr>
+            <a:spLocks noGrp="1"/>
+          </p:cNvSpPr>
+          <p:nvPr>
+            <p:ph idx="1"/>
+          </p:nvPr>
+        </p:nvSpPr>
+        <p:spPr/>
+        <p:txBody>
+          <a:bodyPr/>
+          <a:lstStyle/>
+          <a:p>
+            <a:r>
+              <a:rPr lang="de-DE" dirty="0"/>
+              <a:t>Apple</a:t>
+            </a:r>
+          </a:p>
+          <a:p>
+            <a:r>
               <a:rPr lang="de-DE" dirty="0" err="1"/>
-              <a:t>Section</a:t>
-            </a:r>
+              <a:t>Banana</a:t>
+            </a:r>
+            <a:endParaRPr lang="de-DE" dirty="0"/>
+          </a:p>
+          <a:p>
             <a:r>
               <a:rPr lang="de-DE" dirty="0"/>
-              <a:t> 1</a:t>
-            </a:r>
-          </a:p>
-        </p:txBody>
-      </p:sp>
-      <p:sp>
-        <p:nvSpPr>
-          <p:cNvPr id="3" name="Textplatzhalter 2">
-            <a:extLst>
-              <a:ext uri="{FF2B5EF4-FFF2-40B4-BE49-F238E27FC236}">
-                <a16:creationId xmlns:a16="http://schemas.microsoft.com/office/drawing/2014/main" id="{C97211E0-5834-4E1A-9E81-A5214FB39FCF}"/>
-              </a:ext>
-            </a:extLst>
-          </p:cNvPr>
-          <p:cNvSpPr>
-            <a:spLocks noGrp="1"/>
-          </p:cNvSpPr>
-          <p:nvPr>
-            <p:ph type="body" idx="1"/>
-          </p:nvPr>
-        </p:nvSpPr>
-        <p:spPr/>
-        <p:txBody>
-          <a:bodyPr/>
-          <a:lstStyle/>
-          <a:p>
-            <a:r>
-              <a:rPr lang="de-DE" dirty="0" err="1"/>
-              <a:t>Section</a:t>
-            </a:r>
-            <a:r>
-              <a:rPr lang="de-DE" dirty="0"/>
-              <a:t> </a:t>
-            </a:r>
-            <a:r>
-              <a:rPr lang="de-DE" dirty="0" err="1"/>
-              <a:t>text</a:t>
-            </a:r>
-            <a:endParaRPr lang="de-DE" dirty="0"/>
+              <a:t>Cherry</a:t>
+            </a:r>
           </a:p>
         </p:txBody>
       </p:sp>
     </p:spTree>
     <p:extLst>
       <p:ext uri="{BB962C8B-B14F-4D97-AF65-F5344CB8AC3E}">
-        <p14:creationId xmlns:p14="http://schemas.microsoft.com/office/powerpoint/2010/main" val="4276285923"/>
+        <p14:creationId xmlns:p14="http://schemas.microsoft.com/office/powerpoint/2010/main" val="902430933"/>
       </p:ext>
     </p:extLst>
   </p:cSld>
@@ -5626,7 +5846,7 @@
           <p:cNvPr id="2" name="Titel 1">
             <a:extLst>
               <a:ext uri="{FF2B5EF4-FFF2-40B4-BE49-F238E27FC236}">
-                <a16:creationId xmlns:a16="http://schemas.microsoft.com/office/drawing/2014/main" id="{C380081D-B401-4F64-A0EA-A2C22F388B21}"/>
+                <a16:creationId xmlns:a16="http://schemas.microsoft.com/office/drawing/2014/main" id="{7B3160C7-DDB3-405D-80E3-CDE9C93CEF9F}"/>
               </a:ext>
             </a:extLst>
           </p:cNvPr>
@@ -5643,26 +5863,30 @@
           <a:lstStyle/>
           <a:p>
             <a:r>
+              <a:rPr lang="de-DE" dirty="0" err="1"/>
+              <a:t>Section</a:t>
+            </a:r>
+            <a:r>
               <a:rPr lang="de-DE" dirty="0"/>
-              <a:t>Content 1.1</a:t>
-            </a:r>
-          </a:p>
-        </p:txBody>
-      </p:sp>
-      <p:sp>
-        <p:nvSpPr>
-          <p:cNvPr id="3" name="Inhaltsplatzhalter 2">
-            <a:extLst>
-              <a:ext uri="{FF2B5EF4-FFF2-40B4-BE49-F238E27FC236}">
-                <a16:creationId xmlns:a16="http://schemas.microsoft.com/office/drawing/2014/main" id="{17FD4A3D-A36F-4CED-A48C-6097F67A1095}"/>
-              </a:ext>
-            </a:extLst>
-          </p:cNvPr>
-          <p:cNvSpPr>
-            <a:spLocks noGrp="1"/>
-          </p:cNvSpPr>
-          <p:nvPr>
-            <p:ph idx="1"/>
+              <a:t> 1</a:t>
+            </a:r>
+          </a:p>
+        </p:txBody>
+      </p:sp>
+      <p:sp>
+        <p:nvSpPr>
+          <p:cNvPr id="3" name="Textplatzhalter 2">
+            <a:extLst>
+              <a:ext uri="{FF2B5EF4-FFF2-40B4-BE49-F238E27FC236}">
+                <a16:creationId xmlns:a16="http://schemas.microsoft.com/office/drawing/2014/main" id="{C97211E0-5834-4E1A-9E81-A5214FB39FCF}"/>
+              </a:ext>
+            </a:extLst>
+          </p:cNvPr>
+          <p:cNvSpPr>
+            <a:spLocks noGrp="1"/>
+          </p:cNvSpPr>
+          <p:nvPr>
+            <p:ph type="body" idx="1"/>
           </p:nvPr>
         </p:nvSpPr>
         <p:spPr/>
@@ -5672,64 +5896,16 @@
           <a:p>
             <a:r>
               <a:rPr lang="de-DE" dirty="0" err="1"/>
-              <a:t>Fruits</a:t>
-            </a:r>
-            <a:endParaRPr lang="de-DE" dirty="0"/>
-          </a:p>
-          <a:p>
-            <a:pPr lvl="1"/>
+              <a:t>Section</a:t>
+            </a:r>
             <a:r>
               <a:rPr lang="de-DE" dirty="0"/>
-              <a:t>Apple</a:t>
-            </a:r>
-          </a:p>
-          <a:p>
-            <a:pPr lvl="1"/>
+              <a:t> </a:t>
+            </a:r>
             <a:r>
               <a:rPr lang="de-DE" dirty="0" err="1"/>
-              <a:t>Banana</a:t>
-            </a:r>
-            <a:endParaRPr lang="de-DE" dirty="0"/>
-          </a:p>
-          <a:p>
-            <a:pPr lvl="1"/>
-            <a:r>
-              <a:rPr lang="de-DE" dirty="0"/>
-              <a:t>Cherry</a:t>
-            </a:r>
-          </a:p>
-          <a:p>
-            <a:r>
-              <a:rPr lang="de-DE" dirty="0" err="1"/>
-              <a:t>Vegetables</a:t>
-            </a:r>
-            <a:endParaRPr lang="de-DE" dirty="0"/>
-          </a:p>
-          <a:p>
-            <a:pPr lvl="1"/>
-            <a:r>
-              <a:rPr lang="de-DE" dirty="0" err="1"/>
-              <a:t>Carrot</a:t>
-            </a:r>
-            <a:endParaRPr lang="de-DE" dirty="0"/>
-          </a:p>
-          <a:p>
-            <a:pPr lvl="1"/>
-            <a:r>
-              <a:rPr lang="de-DE" dirty="0"/>
-              <a:t>Pepper</a:t>
-            </a:r>
-          </a:p>
-          <a:p>
-            <a:pPr lvl="1"/>
-            <a:r>
-              <a:rPr lang="de-DE" dirty="0" err="1"/>
-              <a:t>Cauliflower</a:t>
-            </a:r>
-            <a:endParaRPr lang="de-DE" dirty="0"/>
-          </a:p>
-          <a:p>
-            <a:pPr lvl="1"/>
+              <a:t>text</a:t>
+            </a:r>
             <a:endParaRPr lang="de-DE" dirty="0"/>
           </a:p>
         </p:txBody>
@@ -5737,7 +5913,7 @@
     </p:spTree>
     <p:extLst>
       <p:ext uri="{BB962C8B-B14F-4D97-AF65-F5344CB8AC3E}">
-        <p14:creationId xmlns:p14="http://schemas.microsoft.com/office/powerpoint/2010/main" val="628003795"/>
+        <p14:creationId xmlns:p14="http://schemas.microsoft.com/office/powerpoint/2010/main" val="4276285923"/>
       </p:ext>
     </p:extLst>
   </p:cSld>
@@ -5787,7 +5963,7 @@
           <a:p>
             <a:r>
               <a:rPr lang="de-DE" dirty="0"/>
-              <a:t>Content 1.2</a:t>
+              <a:t>Content 1.1</a:t>
             </a:r>
           </a:p>
         </p:txBody>
@@ -5880,7 +6056,7 @@
     </p:spTree>
     <p:extLst>
       <p:ext uri="{BB962C8B-B14F-4D97-AF65-F5344CB8AC3E}">
-        <p14:creationId xmlns:p14="http://schemas.microsoft.com/office/powerpoint/2010/main" val="1535047729"/>
+        <p14:creationId xmlns:p14="http://schemas.microsoft.com/office/powerpoint/2010/main" val="628003795"/>
       </p:ext>
     </p:extLst>
   </p:cSld>
